--- a/NFTraffle_july15.pptx
+++ b/NFTraffle_july15.pptx
@@ -264,7 +264,7 @@
           <a:p>
             <a:fld id="{F61E44CA-77D5-40E0-B20E-CCBE7C5BE652}" type="datetimeFigureOut">
               <a:rPr lang="en-US" smtClean="0"/>
-              <a:t>7/26/2021</a:t>
+              <a:t>7/29/2021</a:t>
             </a:fld>
             <a:endParaRPr lang="en-US"/>
           </a:p>
@@ -462,7 +462,7 @@
           <a:p>
             <a:fld id="{F61E44CA-77D5-40E0-B20E-CCBE7C5BE652}" type="datetimeFigureOut">
               <a:rPr lang="en-US" smtClean="0"/>
-              <a:t>7/26/2021</a:t>
+              <a:t>7/29/2021</a:t>
             </a:fld>
             <a:endParaRPr lang="en-US"/>
           </a:p>
@@ -670,7 +670,7 @@
           <a:p>
             <a:fld id="{F61E44CA-77D5-40E0-B20E-CCBE7C5BE652}" type="datetimeFigureOut">
               <a:rPr lang="en-US" smtClean="0"/>
-              <a:t>7/26/2021</a:t>
+              <a:t>7/29/2021</a:t>
             </a:fld>
             <a:endParaRPr lang="en-US"/>
           </a:p>
@@ -868,7 +868,7 @@
           <a:p>
             <a:fld id="{F61E44CA-77D5-40E0-B20E-CCBE7C5BE652}" type="datetimeFigureOut">
               <a:rPr lang="en-US" smtClean="0"/>
-              <a:t>7/26/2021</a:t>
+              <a:t>7/29/2021</a:t>
             </a:fld>
             <a:endParaRPr lang="en-US"/>
           </a:p>
@@ -1143,7 +1143,7 @@
           <a:p>
             <a:fld id="{F61E44CA-77D5-40E0-B20E-CCBE7C5BE652}" type="datetimeFigureOut">
               <a:rPr lang="en-US" smtClean="0"/>
-              <a:t>7/26/2021</a:t>
+              <a:t>7/29/2021</a:t>
             </a:fld>
             <a:endParaRPr lang="en-US"/>
           </a:p>
@@ -1408,7 +1408,7 @@
           <a:p>
             <a:fld id="{F61E44CA-77D5-40E0-B20E-CCBE7C5BE652}" type="datetimeFigureOut">
               <a:rPr lang="en-US" smtClean="0"/>
-              <a:t>7/26/2021</a:t>
+              <a:t>7/29/2021</a:t>
             </a:fld>
             <a:endParaRPr lang="en-US"/>
           </a:p>
@@ -1820,7 +1820,7 @@
           <a:p>
             <a:fld id="{F61E44CA-77D5-40E0-B20E-CCBE7C5BE652}" type="datetimeFigureOut">
               <a:rPr lang="en-US" smtClean="0"/>
-              <a:t>7/26/2021</a:t>
+              <a:t>7/29/2021</a:t>
             </a:fld>
             <a:endParaRPr lang="en-US"/>
           </a:p>
@@ -1961,7 +1961,7 @@
           <a:p>
             <a:fld id="{F61E44CA-77D5-40E0-B20E-CCBE7C5BE652}" type="datetimeFigureOut">
               <a:rPr lang="en-US" smtClean="0"/>
-              <a:t>7/26/2021</a:t>
+              <a:t>7/29/2021</a:t>
             </a:fld>
             <a:endParaRPr lang="en-US"/>
           </a:p>
@@ -2074,7 +2074,7 @@
           <a:p>
             <a:fld id="{F61E44CA-77D5-40E0-B20E-CCBE7C5BE652}" type="datetimeFigureOut">
               <a:rPr lang="en-US" smtClean="0"/>
-              <a:t>7/26/2021</a:t>
+              <a:t>7/29/2021</a:t>
             </a:fld>
             <a:endParaRPr lang="en-US"/>
           </a:p>
@@ -2385,7 +2385,7 @@
           <a:p>
             <a:fld id="{F61E44CA-77D5-40E0-B20E-CCBE7C5BE652}" type="datetimeFigureOut">
               <a:rPr lang="en-US" smtClean="0"/>
-              <a:t>7/26/2021</a:t>
+              <a:t>7/29/2021</a:t>
             </a:fld>
             <a:endParaRPr lang="en-US"/>
           </a:p>
@@ -2673,7 +2673,7 @@
           <a:p>
             <a:fld id="{F61E44CA-77D5-40E0-B20E-CCBE7C5BE652}" type="datetimeFigureOut">
               <a:rPr lang="en-US" smtClean="0"/>
-              <a:t>7/26/2021</a:t>
+              <a:t>7/29/2021</a:t>
             </a:fld>
             <a:endParaRPr lang="en-US"/>
           </a:p>
@@ -2914,7 +2914,7 @@
           <a:p>
             <a:fld id="{F61E44CA-77D5-40E0-B20E-CCBE7C5BE652}" type="datetimeFigureOut">
               <a:rPr lang="en-US" smtClean="0"/>
-              <a:t>7/26/2021</a:t>
+              <a:t>7/29/2021</a:t>
             </a:fld>
             <a:endParaRPr lang="en-US"/>
           </a:p>
@@ -3792,7 +3792,7 @@
         <p:spPr>
           <a:xfrm>
             <a:off x="6745407" y="1660326"/>
-            <a:ext cx="2040338" cy="3693319"/>
+            <a:ext cx="2040338" cy="3970318"/>
           </a:xfrm>
           <a:prstGeom prst="rect">
             <a:avLst/>
@@ -3838,7 +3838,7 @@
             </a:r>
             <a:r>
               <a:rPr lang="en-US" dirty="0"/>
-              <a:t> to randomly select winner, and then pay winner. Contract extends VRFConsumerBase.  Contract has Link funds. </a:t>
+              <a:t> to randomly select winner, and then pay winner. Contract extends VRFConsumerBase.  Contract has Link funds.  Using Ganache, Remix</a:t>
             </a:r>
           </a:p>
           <a:p>
@@ -4230,7 +4230,7 @@
         <p:spPr>
           <a:xfrm>
             <a:off x="4163280" y="2538398"/>
-            <a:ext cx="1581150" cy="2308324"/>
+            <a:ext cx="1581150" cy="2585323"/>
           </a:xfrm>
           <a:prstGeom prst="rect">
             <a:avLst/>
@@ -4258,7 +4258,7 @@
           <a:p>
             <a:r>
               <a:rPr lang="en-US" dirty="0"/>
-              <a:t>JavaScript WebApp to purchase raffle tickets</a:t>
+              <a:t>JavaScript WebApp with React Web3 to purchase raffle tickets</a:t>
             </a:r>
           </a:p>
           <a:p>
@@ -5195,6 +5195,20 @@
             <a:r>
               <a:rPr lang="en-US" dirty="0"/>
               <a:t>Medium Post</a:t>
+            </a:r>
+          </a:p>
+          <a:p>
+            <a:r>
+              <a:rPr lang="en-US" dirty="0"/>
+              <a:t>Link to </a:t>
+            </a:r>
+            <a:r>
+              <a:rPr lang="en-US" dirty="0" err="1"/>
+              <a:t>Github</a:t>
+            </a:r>
+            <a:r>
+              <a:rPr lang="en-US" dirty="0"/>
+              <a:t> site</a:t>
             </a:r>
           </a:p>
         </p:txBody>
